--- a/slides/10.AI and Robotics.pptx
+++ b/slides/10.AI and Robotics.pptx
@@ -5,17 +5,18 @@
     <p:sldMasterId id="2147483648" r:id="rId1"/>
   </p:sldMasterIdLst>
   <p:notesMasterIdLst>
-    <p:notesMasterId r:id="rId10"/>
+    <p:notesMasterId r:id="rId11"/>
   </p:notesMasterIdLst>
   <p:sldIdLst>
     <p:sldId id="256" r:id="rId2"/>
-    <p:sldId id="266" r:id="rId3"/>
-    <p:sldId id="257" r:id="rId4"/>
-    <p:sldId id="263" r:id="rId5"/>
-    <p:sldId id="268" r:id="rId6"/>
-    <p:sldId id="267" r:id="rId7"/>
-    <p:sldId id="262" r:id="rId8"/>
-    <p:sldId id="258" r:id="rId9"/>
+    <p:sldId id="269" r:id="rId3"/>
+    <p:sldId id="266" r:id="rId4"/>
+    <p:sldId id="257" r:id="rId5"/>
+    <p:sldId id="263" r:id="rId6"/>
+    <p:sldId id="268" r:id="rId7"/>
+    <p:sldId id="267" r:id="rId8"/>
+    <p:sldId id="262" r:id="rId9"/>
+    <p:sldId id="258" r:id="rId10"/>
   </p:sldIdLst>
   <p:sldSz cx="9144000" cy="6858000" type="screen4x3"/>
   <p:notesSz cx="6858000" cy="9144000"/>
@@ -199,7 +200,7 @@
           <a:p>
             <a:fld id="{A3F4B1A5-9480-4773-995A-26CCD4CD4246}" type="datetimeFigureOut">
               <a:rPr lang="en-MY" smtClean="0"/>
-              <a:t>30/08/2019</a:t>
+              <a:t>05/09/2019</a:t>
             </a:fld>
             <a:endParaRPr lang="en-MY"/>
           </a:p>
@@ -511,48 +512,13 @@
           <a:bodyPr/>
           <a:lstStyle/>
           <a:p>
-            <a:pPr marL="228600" indent="-228600">
-              <a:buAutoNum type="arabicPeriod"/>
-            </a:pPr>
             <a:r>
               <a:rPr lang="en-US" dirty="0" smtClean="0"/>
-              <a:t>game development</a:t>
-            </a:r>
-          </a:p>
-          <a:p>
-            <a:pPr marL="228600" indent="-228600">
-              <a:buAutoNum type="arabicPeriod"/>
-            </a:pPr>
-            <a:r>
-              <a:rPr lang="en-US" dirty="0" smtClean="0"/>
-              <a:t>data science – assume you have some understanding of python</a:t>
-            </a:r>
-          </a:p>
-          <a:p>
-            <a:pPr marL="228600" indent="-228600">
-              <a:buAutoNum type="arabicPeriod"/>
-            </a:pPr>
-            <a:r>
-              <a:rPr lang="en-US" dirty="0" smtClean="0"/>
-              <a:t>deep learning</a:t>
-            </a:r>
-          </a:p>
-          <a:p>
-            <a:pPr marL="228600" indent="-228600">
-              <a:buAutoNum type="arabicPeriod"/>
-            </a:pPr>
-            <a:r>
-              <a:rPr lang="en-US" dirty="0" smtClean="0"/>
-              <a:t>robotics part 1</a:t>
-            </a:r>
-          </a:p>
-          <a:p>
-            <a:pPr marL="228600" indent="-228600">
-              <a:buAutoNum type="arabicPeriod"/>
-            </a:pPr>
-            <a:r>
-              <a:rPr lang="en-US" dirty="0" smtClean="0"/>
-              <a:t>robotics part 2</a:t>
+              <a:t>50</a:t>
+            </a:r>
+            <a:r>
+              <a:rPr lang="en-US" baseline="0" dirty="0" smtClean="0"/>
+              <a:t> years ago a correct depict of AI</a:t>
             </a:r>
             <a:endParaRPr lang="en-MY" dirty="0"/>
           </a:p>
@@ -584,7 +550,7 @@
     </p:spTree>
     <p:extLst>
       <p:ext uri="{BB962C8B-B14F-4D97-AF65-F5344CB8AC3E}">
-        <p14:creationId xmlns:p14="http://schemas.microsoft.com/office/powerpoint/2010/main" val="1035845670"/>
+        <p14:creationId xmlns:p14="http://schemas.microsoft.com/office/powerpoint/2010/main" val="1578751412"/>
       </p:ext>
     </p:extLst>
   </p:cSld>
@@ -638,35 +604,48 @@
           <a:bodyPr/>
           <a:lstStyle/>
           <a:p>
+            <a:pPr marL="228600" indent="-228600">
+              <a:buAutoNum type="arabicPeriod"/>
+            </a:pPr>
             <a:r>
               <a:rPr lang="en-US" dirty="0" smtClean="0"/>
-              <a:t>machine learning – let machine learn them</a:t>
-            </a:r>
-            <a:r>
-              <a:rPr lang="en-US" baseline="0" dirty="0" smtClean="0"/>
-              <a:t>selves</a:t>
-            </a:r>
-          </a:p>
-          <a:p>
-            <a:r>
-              <a:rPr lang="en-US" baseline="0" dirty="0" smtClean="0"/>
-              <a:t>How we do AI before machine learning? </a:t>
-            </a:r>
-          </a:p>
-          <a:p>
-            <a:r>
-              <a:rPr lang="en-US" baseline="0" dirty="0" smtClean="0"/>
-              <a:t>Biology – behavior of a creature depends on two things: 1. innate instinct 2. result of learning</a:t>
-            </a:r>
-          </a:p>
-          <a:p>
-            <a:r>
-              <a:rPr lang="en-US" baseline="0" dirty="0" smtClean="0"/>
-              <a:t>We will discuss more on ML and DL in the </a:t>
-            </a:r>
-            <a:r>
-              <a:rPr lang="en-US" baseline="0" smtClean="0"/>
-              <a:t>second session</a:t>
+              <a:t>game development</a:t>
+            </a:r>
+          </a:p>
+          <a:p>
+            <a:pPr marL="228600" indent="-228600">
+              <a:buAutoNum type="arabicPeriod"/>
+            </a:pPr>
+            <a:r>
+              <a:rPr lang="en-US" dirty="0" smtClean="0"/>
+              <a:t>data science – assume you have some understanding of python</a:t>
+            </a:r>
+          </a:p>
+          <a:p>
+            <a:pPr marL="228600" indent="-228600">
+              <a:buAutoNum type="arabicPeriod"/>
+            </a:pPr>
+            <a:r>
+              <a:rPr lang="en-US" dirty="0" smtClean="0"/>
+              <a:t>deep learning</a:t>
+            </a:r>
+          </a:p>
+          <a:p>
+            <a:pPr marL="228600" indent="-228600">
+              <a:buAutoNum type="arabicPeriod"/>
+            </a:pPr>
+            <a:r>
+              <a:rPr lang="en-US" dirty="0" smtClean="0"/>
+              <a:t>robotics part 1</a:t>
+            </a:r>
+          </a:p>
+          <a:p>
+            <a:pPr marL="228600" indent="-228600">
+              <a:buAutoNum type="arabicPeriod"/>
+            </a:pPr>
+            <a:r>
+              <a:rPr lang="en-US" dirty="0" smtClean="0"/>
+              <a:t>robotics part 2</a:t>
             </a:r>
             <a:endParaRPr lang="en-MY" dirty="0"/>
           </a:p>
@@ -698,7 +677,7 @@
     </p:spTree>
     <p:extLst>
       <p:ext uri="{BB962C8B-B14F-4D97-AF65-F5344CB8AC3E}">
-        <p14:creationId xmlns:p14="http://schemas.microsoft.com/office/powerpoint/2010/main" val="1893537471"/>
+        <p14:creationId xmlns:p14="http://schemas.microsoft.com/office/powerpoint/2010/main" val="1035845670"/>
       </p:ext>
     </p:extLst>
   </p:cSld>
@@ -754,7 +733,33 @@
           <a:p>
             <a:r>
               <a:rPr lang="en-US" dirty="0" smtClean="0"/>
-              <a:t>the term AI come from</a:t>
+              <a:t>machine learning – let machine learn them</a:t>
+            </a:r>
+            <a:r>
+              <a:rPr lang="en-US" baseline="0" dirty="0" smtClean="0"/>
+              <a:t>selves</a:t>
+            </a:r>
+          </a:p>
+          <a:p>
+            <a:r>
+              <a:rPr lang="en-US" baseline="0" dirty="0" smtClean="0"/>
+              <a:t>How we do AI before machine learning? </a:t>
+            </a:r>
+          </a:p>
+          <a:p>
+            <a:r>
+              <a:rPr lang="en-US" baseline="0" dirty="0" smtClean="0"/>
+              <a:t>Biology – behavior of a creature depends on two things: 1. innate instinct 2. result of learning</a:t>
+            </a:r>
+          </a:p>
+          <a:p>
+            <a:r>
+              <a:rPr lang="en-US" baseline="0" dirty="0" smtClean="0"/>
+              <a:t>We will discuss more on ML and DL in the </a:t>
+            </a:r>
+            <a:r>
+              <a:rPr lang="en-US" baseline="0" smtClean="0"/>
+              <a:t>second session</a:t>
             </a:r>
             <a:endParaRPr lang="en-MY" dirty="0"/>
           </a:p>
@@ -786,7 +791,7 @@
     </p:spTree>
     <p:extLst>
       <p:ext uri="{BB962C8B-B14F-4D97-AF65-F5344CB8AC3E}">
-        <p14:creationId xmlns:p14="http://schemas.microsoft.com/office/powerpoint/2010/main" val="3896863521"/>
+        <p14:creationId xmlns:p14="http://schemas.microsoft.com/office/powerpoint/2010/main" val="1893537471"/>
       </p:ext>
     </p:extLst>
   </p:cSld>
@@ -842,11 +847,45 @@
           <a:p>
             <a:r>
               <a:rPr lang="en-US" dirty="0" smtClean="0"/>
-              <a:t>the</a:t>
+              <a:t>the term AI come from</a:t>
+            </a:r>
+          </a:p>
+          <a:p>
+            <a:r>
+              <a:rPr lang="en-US" dirty="0" smtClean="0"/>
+              <a:t>Measurement of intelligent are diverse</a:t>
+            </a:r>
+          </a:p>
+          <a:p>
+            <a:pPr marL="228600" indent="-228600">
+              <a:buAutoNum type="arabicPeriod"/>
+            </a:pPr>
+            <a:r>
+              <a:rPr lang="en-US" dirty="0" err="1" smtClean="0"/>
+              <a:t>captcha</a:t>
+            </a:r>
+            <a:endParaRPr lang="en-US" dirty="0" smtClean="0"/>
+          </a:p>
+          <a:p>
+            <a:pPr marL="228600" indent="-228600">
+              <a:buAutoNum type="arabicPeriod"/>
+            </a:pPr>
+            <a:r>
+              <a:rPr lang="en-US" dirty="0" smtClean="0"/>
+              <a:t>turning</a:t>
             </a:r>
             <a:r>
               <a:rPr lang="en-US" baseline="0" dirty="0" smtClean="0"/>
-              <a:t> comic is not 100% correct because rule-based system is AI</a:t>
+              <a:t> test</a:t>
+            </a:r>
+          </a:p>
+          <a:p>
+            <a:pPr marL="228600" indent="-228600">
+              <a:buAutoNum type="arabicPeriod"/>
+            </a:pPr>
+            <a:r>
+              <a:rPr lang="en-US" dirty="0" smtClean="0"/>
+              <a:t> </a:t>
             </a:r>
             <a:endParaRPr lang="en-MY" dirty="0"/>
           </a:p>
@@ -869,7 +908,7 @@
           <a:p>
             <a:fld id="{797219D4-6333-4771-9593-54DCD3EE7E56}" type="slidenum">
               <a:rPr lang="en-MY" smtClean="0"/>
-              <a:t>6</a:t>
+              <a:t>5</a:t>
             </a:fld>
             <a:endParaRPr lang="en-MY"/>
           </a:p>
@@ -878,7 +917,7 @@
     </p:spTree>
     <p:extLst>
       <p:ext uri="{BB962C8B-B14F-4D97-AF65-F5344CB8AC3E}">
-        <p14:creationId xmlns:p14="http://schemas.microsoft.com/office/powerpoint/2010/main" val="889164182"/>
+        <p14:creationId xmlns:p14="http://schemas.microsoft.com/office/powerpoint/2010/main" val="3896863521"/>
       </p:ext>
     </p:extLst>
   </p:cSld>
@@ -934,7 +973,11 @@
           <a:p>
             <a:r>
               <a:rPr lang="en-US" dirty="0" smtClean="0"/>
-              <a:t>At first they are separate subjects</a:t>
+              <a:t>the</a:t>
+            </a:r>
+            <a:r>
+              <a:rPr lang="en-US" baseline="0" dirty="0" smtClean="0"/>
+              <a:t> comic is not 100% correct because rule-based system is AI</a:t>
             </a:r>
             <a:endParaRPr lang="en-MY" dirty="0"/>
           </a:p>
@@ -957,7 +1000,95 @@
           <a:p>
             <a:fld id="{797219D4-6333-4771-9593-54DCD3EE7E56}" type="slidenum">
               <a:rPr lang="en-MY" smtClean="0"/>
-              <a:t>8</a:t>
+              <a:t>7</a:t>
+            </a:fld>
+            <a:endParaRPr lang="en-MY"/>
+          </a:p>
+        </p:txBody>
+      </p:sp>
+    </p:spTree>
+    <p:extLst>
+      <p:ext uri="{BB962C8B-B14F-4D97-AF65-F5344CB8AC3E}">
+        <p14:creationId xmlns:p14="http://schemas.microsoft.com/office/powerpoint/2010/main" val="889164182"/>
+      </p:ext>
+    </p:extLst>
+  </p:cSld>
+  <p:clrMapOvr>
+    <a:masterClrMapping/>
+  </p:clrMapOvr>
+</p:notes>
+</file>
+
+<file path=ppt/notesSlides/notesSlide6.xml><?xml version="1.0" encoding="utf-8"?>
+<p:notes xmlns:a="http://schemas.openxmlformats.org/drawingml/2006/main" xmlns:r="http://schemas.openxmlformats.org/officeDocument/2006/relationships" xmlns:p="http://schemas.openxmlformats.org/presentationml/2006/main">
+  <p:cSld>
+    <p:spTree>
+      <p:nvGrpSpPr>
+        <p:cNvPr id="1" name=""/>
+        <p:cNvGrpSpPr/>
+        <p:nvPr/>
+      </p:nvGrpSpPr>
+      <p:grpSpPr>
+        <a:xfrm>
+          <a:off x="0" y="0"/>
+          <a:ext cx="0" cy="0"/>
+          <a:chOff x="0" y="0"/>
+          <a:chExt cx="0" cy="0"/>
+        </a:xfrm>
+      </p:grpSpPr>
+      <p:sp>
+        <p:nvSpPr>
+          <p:cNvPr id="2" name="Slide Image Placeholder 1"/>
+          <p:cNvSpPr>
+            <a:spLocks noGrp="1" noRot="1" noChangeAspect="1"/>
+          </p:cNvSpPr>
+          <p:nvPr>
+            <p:ph type="sldImg"/>
+          </p:nvPr>
+        </p:nvSpPr>
+        <p:spPr/>
+      </p:sp>
+      <p:sp>
+        <p:nvSpPr>
+          <p:cNvPr id="3" name="Notes Placeholder 2"/>
+          <p:cNvSpPr>
+            <a:spLocks noGrp="1"/>
+          </p:cNvSpPr>
+          <p:nvPr>
+            <p:ph type="body" idx="1"/>
+          </p:nvPr>
+        </p:nvSpPr>
+        <p:spPr/>
+        <p:txBody>
+          <a:bodyPr/>
+          <a:lstStyle/>
+          <a:p>
+            <a:r>
+              <a:rPr lang="en-US" dirty="0" smtClean="0"/>
+              <a:t>At first they are separate subjects</a:t>
+            </a:r>
+            <a:endParaRPr lang="en-MY" dirty="0"/>
+          </a:p>
+        </p:txBody>
+      </p:sp>
+      <p:sp>
+        <p:nvSpPr>
+          <p:cNvPr id="4" name="Slide Number Placeholder 3"/>
+          <p:cNvSpPr>
+            <a:spLocks noGrp="1"/>
+          </p:cNvSpPr>
+          <p:nvPr>
+            <p:ph type="sldNum" sz="quarter" idx="10"/>
+          </p:nvPr>
+        </p:nvSpPr>
+        <p:spPr/>
+        <p:txBody>
+          <a:bodyPr/>
+          <a:lstStyle/>
+          <a:p>
+            <a:fld id="{797219D4-6333-4771-9593-54DCD3EE7E56}" type="slidenum">
+              <a:rPr lang="en-MY" smtClean="0"/>
+              <a:t>9</a:t>
             </a:fld>
             <a:endParaRPr lang="en-MY"/>
           </a:p>
@@ -1158,7 +1289,7 @@
             <a:fld id="{1D8BD707-D9CF-40AE-B4C6-C98DA3205C09}" type="datetimeFigureOut">
               <a:rPr lang="en-US" smtClean="0"/>
               <a:pPr/>
-              <a:t>8/30/2019</a:t>
+              <a:t>9/5/2019</a:t>
             </a:fld>
             <a:endParaRPr lang="en-US"/>
           </a:p>
@@ -1325,7 +1456,7 @@
             <a:fld id="{1D8BD707-D9CF-40AE-B4C6-C98DA3205C09}" type="datetimeFigureOut">
               <a:rPr lang="en-US" smtClean="0"/>
               <a:pPr/>
-              <a:t>8/30/2019</a:t>
+              <a:t>9/5/2019</a:t>
             </a:fld>
             <a:endParaRPr lang="en-US"/>
           </a:p>
@@ -1502,7 +1633,7 @@
             <a:fld id="{1D8BD707-D9CF-40AE-B4C6-C98DA3205C09}" type="datetimeFigureOut">
               <a:rPr lang="en-US" smtClean="0"/>
               <a:pPr/>
-              <a:t>8/30/2019</a:t>
+              <a:t>9/5/2019</a:t>
             </a:fld>
             <a:endParaRPr lang="en-US"/>
           </a:p>
@@ -1669,7 +1800,7 @@
             <a:fld id="{1D8BD707-D9CF-40AE-B4C6-C98DA3205C09}" type="datetimeFigureOut">
               <a:rPr lang="en-US" smtClean="0"/>
               <a:pPr/>
-              <a:t>8/30/2019</a:t>
+              <a:t>9/5/2019</a:t>
             </a:fld>
             <a:endParaRPr lang="en-US"/>
           </a:p>
@@ -1912,7 +2043,7 @@
             <a:fld id="{1D8BD707-D9CF-40AE-B4C6-C98DA3205C09}" type="datetimeFigureOut">
               <a:rPr lang="en-US" smtClean="0"/>
               <a:pPr/>
-              <a:t>8/30/2019</a:t>
+              <a:t>9/5/2019</a:t>
             </a:fld>
             <a:endParaRPr lang="en-US"/>
           </a:p>
@@ -2197,7 +2328,7 @@
             <a:fld id="{1D8BD707-D9CF-40AE-B4C6-C98DA3205C09}" type="datetimeFigureOut">
               <a:rPr lang="en-US" smtClean="0"/>
               <a:pPr/>
-              <a:t>8/30/2019</a:t>
+              <a:t>9/5/2019</a:t>
             </a:fld>
             <a:endParaRPr lang="en-US"/>
           </a:p>
@@ -2616,7 +2747,7 @@
             <a:fld id="{1D8BD707-D9CF-40AE-B4C6-C98DA3205C09}" type="datetimeFigureOut">
               <a:rPr lang="en-US" smtClean="0"/>
               <a:pPr/>
-              <a:t>8/30/2019</a:t>
+              <a:t>9/5/2019</a:t>
             </a:fld>
             <a:endParaRPr lang="en-US"/>
           </a:p>
@@ -2731,7 +2862,7 @@
             <a:fld id="{1D8BD707-D9CF-40AE-B4C6-C98DA3205C09}" type="datetimeFigureOut">
               <a:rPr lang="en-US" smtClean="0"/>
               <a:pPr/>
-              <a:t>8/30/2019</a:t>
+              <a:t>9/5/2019</a:t>
             </a:fld>
             <a:endParaRPr lang="en-US"/>
           </a:p>
@@ -2823,7 +2954,7 @@
             <a:fld id="{1D8BD707-D9CF-40AE-B4C6-C98DA3205C09}" type="datetimeFigureOut">
               <a:rPr lang="en-US" smtClean="0"/>
               <a:pPr/>
-              <a:t>8/30/2019</a:t>
+              <a:t>9/5/2019</a:t>
             </a:fld>
             <a:endParaRPr lang="en-US"/>
           </a:p>
@@ -3097,7 +3228,7 @@
             <a:fld id="{1D8BD707-D9CF-40AE-B4C6-C98DA3205C09}" type="datetimeFigureOut">
               <a:rPr lang="en-US" smtClean="0"/>
               <a:pPr/>
-              <a:t>8/30/2019</a:t>
+              <a:t>9/5/2019</a:t>
             </a:fld>
             <a:endParaRPr lang="en-US"/>
           </a:p>
@@ -3347,7 +3478,7 @@
             <a:fld id="{1D8BD707-D9CF-40AE-B4C6-C98DA3205C09}" type="datetimeFigureOut">
               <a:rPr lang="en-US" smtClean="0"/>
               <a:pPr/>
-              <a:t>8/30/2019</a:t>
+              <a:t>9/5/2019</a:t>
             </a:fld>
             <a:endParaRPr lang="en-US"/>
           </a:p>
@@ -3557,7 +3688,7 @@
             <a:fld id="{1D8BD707-D9CF-40AE-B4C6-C98DA3205C09}" type="datetimeFigureOut">
               <a:rPr lang="en-US" smtClean="0"/>
               <a:pPr/>
-              <a:t>8/30/2019</a:t>
+              <a:t>9/5/2019</a:t>
             </a:fld>
             <a:endParaRPr lang="en-US"/>
           </a:p>
@@ -3953,7 +4084,7 @@
       </p:sp>
       <p:sp>
         <p:nvSpPr>
-          <p:cNvPr id="3" name="Subtitle 2"/>
+          <p:cNvPr id="5" name="Subtitle 4"/>
           <p:cNvSpPr>
             <a:spLocks noGrp="1"/>
           </p:cNvSpPr>
@@ -3991,6 +4122,91 @@
 </file>
 
 <file path=ppt/slides/slide2.xml><?xml version="1.0" encoding="utf-8"?>
+<p:sld xmlns:a="http://schemas.openxmlformats.org/drawingml/2006/main" xmlns:r="http://schemas.openxmlformats.org/officeDocument/2006/relationships" xmlns:p="http://schemas.openxmlformats.org/presentationml/2006/main">
+  <p:cSld>
+    <p:spTree>
+      <p:nvGrpSpPr>
+        <p:cNvPr id="1" name=""/>
+        <p:cNvGrpSpPr/>
+        <p:nvPr/>
+      </p:nvGrpSpPr>
+      <p:grpSpPr>
+        <a:xfrm>
+          <a:off x="0" y="0"/>
+          <a:ext cx="0" cy="0"/>
+          <a:chOff x="0" y="0"/>
+          <a:chExt cx="0" cy="0"/>
+        </a:xfrm>
+      </p:grpSpPr>
+      <p:sp>
+        <p:nvSpPr>
+          <p:cNvPr id="2" name="Title 1"/>
+          <p:cNvSpPr>
+            <a:spLocks noGrp="1"/>
+          </p:cNvSpPr>
+          <p:nvPr>
+            <p:ph type="title"/>
+          </p:nvPr>
+        </p:nvSpPr>
+        <p:spPr/>
+        <p:txBody>
+          <a:bodyPr/>
+          <a:lstStyle/>
+          <a:p>
+            <a:r>
+              <a:rPr lang="en-US" dirty="0" smtClean="0"/>
+              <a:t>A Space Odyssey 2001 (1968)</a:t>
+            </a:r>
+            <a:endParaRPr lang="en-MY" dirty="0"/>
+          </a:p>
+        </p:txBody>
+      </p:sp>
+      <p:sp>
+        <p:nvSpPr>
+          <p:cNvPr id="3" name="Content Placeholder 2"/>
+          <p:cNvSpPr>
+            <a:spLocks noGrp="1"/>
+          </p:cNvSpPr>
+          <p:nvPr>
+            <p:ph idx="1"/>
+          </p:nvPr>
+        </p:nvSpPr>
+        <p:spPr/>
+        <p:txBody>
+          <a:bodyPr/>
+          <a:lstStyle/>
+          <a:p>
+            <a:r>
+              <a:rPr lang="en-MY">
+                <a:hlinkClick r:id="rId3"/>
+              </a:rPr>
+              <a:t>https://www.youtube.com/watch?v=ARJ8cAGm6JE</a:t>
+            </a:r>
+            <a:endParaRPr lang="en-MY" dirty="0"/>
+          </a:p>
+        </p:txBody>
+      </p:sp>
+    </p:spTree>
+    <p:extLst>
+      <p:ext uri="{BB962C8B-B14F-4D97-AF65-F5344CB8AC3E}">
+        <p14:creationId xmlns:p14="http://schemas.microsoft.com/office/powerpoint/2010/main" val="1442550945"/>
+      </p:ext>
+    </p:extLst>
+  </p:cSld>
+  <p:clrMapOvr>
+    <a:masterClrMapping/>
+  </p:clrMapOvr>
+  <p:timing>
+    <p:tnLst>
+      <p:par>
+        <p:cTn id="1" dur="indefinite" restart="never" nodeType="tmRoot"/>
+      </p:par>
+    </p:tnLst>
+  </p:timing>
+</p:sld>
+</file>
+
+<file path=ppt/slides/slide3.xml><?xml version="1.0" encoding="utf-8"?>
 <p:sld xmlns:a="http://schemas.openxmlformats.org/drawingml/2006/main" xmlns:r="http://schemas.openxmlformats.org/officeDocument/2006/relationships" xmlns:p="http://schemas.openxmlformats.org/presentationml/2006/main">
   <p:cSld>
     <p:spTree>
@@ -4332,7 +4548,7 @@
 </p:sld>
 </file>
 
-<file path=ppt/slides/slide3.xml><?xml version="1.0" encoding="utf-8"?>
+<file path=ppt/slides/slide4.xml><?xml version="1.0" encoding="utf-8"?>
 <p:sld xmlns:a="http://schemas.openxmlformats.org/drawingml/2006/main" xmlns:r="http://schemas.openxmlformats.org/officeDocument/2006/relationships" xmlns:p="http://schemas.openxmlformats.org/presentationml/2006/main">
   <p:cSld>
     <p:spTree>
@@ -4709,7 +4925,7 @@
 </p:sld>
 </file>
 
-<file path=ppt/slides/slide4.xml><?xml version="1.0" encoding="utf-8"?>
+<file path=ppt/slides/slide5.xml><?xml version="1.0" encoding="utf-8"?>
 <p:sld xmlns:a="http://schemas.openxmlformats.org/drawingml/2006/main" xmlns:r="http://schemas.openxmlformats.org/officeDocument/2006/relationships" xmlns:p="http://schemas.openxmlformats.org/presentationml/2006/main">
   <p:cSld>
     <p:spTree>
@@ -4936,7 +5152,7 @@
 </p:sld>
 </file>
 
-<file path=ppt/slides/slide5.xml><?xml version="1.0" encoding="utf-8"?>
+<file path=ppt/slides/slide6.xml><?xml version="1.0" encoding="utf-8"?>
 <p:sld xmlns:a="http://schemas.openxmlformats.org/drawingml/2006/main" xmlns:r="http://schemas.openxmlformats.org/officeDocument/2006/relationships" xmlns:p="http://schemas.openxmlformats.org/presentationml/2006/main">
   <p:cSld>
     <p:spTree>
@@ -5051,7 +5267,7 @@
 </p:sld>
 </file>
 
-<file path=ppt/slides/slide6.xml><?xml version="1.0" encoding="utf-8"?>
+<file path=ppt/slides/slide7.xml><?xml version="1.0" encoding="utf-8"?>
 <p:sld xmlns:a="http://schemas.openxmlformats.org/drawingml/2006/main" xmlns:r="http://schemas.openxmlformats.org/officeDocument/2006/relationships" xmlns:p="http://schemas.openxmlformats.org/presentationml/2006/main">
   <p:cSld>
     <p:spTree>
@@ -5180,7 +5396,7 @@
 </p:sld>
 </file>
 
-<file path=ppt/slides/slide7.xml><?xml version="1.0" encoding="utf-8"?>
+<file path=ppt/slides/slide8.xml><?xml version="1.0" encoding="utf-8"?>
 <p:sld xmlns:a="http://schemas.openxmlformats.org/drawingml/2006/main" xmlns:r="http://schemas.openxmlformats.org/officeDocument/2006/relationships" xmlns:p="http://schemas.openxmlformats.org/presentationml/2006/main">
   <p:cSld>
     <p:spTree>
@@ -5277,7 +5493,7 @@
 </p:sld>
 </file>
 
-<file path=ppt/slides/slide8.xml><?xml version="1.0" encoding="utf-8"?>
+<file path=ppt/slides/slide9.xml><?xml version="1.0" encoding="utf-8"?>
 <p:sld xmlns:a="http://schemas.openxmlformats.org/drawingml/2006/main" xmlns:r="http://schemas.openxmlformats.org/officeDocument/2006/relationships" xmlns:p="http://schemas.openxmlformats.org/presentationml/2006/main">
   <p:cSld>
     <p:spTree>
@@ -5373,6 +5589,49 @@
           </a:extLst>
         </p:spPr>
       </p:pic>
+      <p:sp>
+        <p:nvSpPr>
+          <p:cNvPr id="5" name="Multiply 4"/>
+          <p:cNvSpPr/>
+          <p:nvPr/>
+        </p:nvSpPr>
+        <p:spPr>
+          <a:xfrm rot="1477412">
+            <a:off x="3429000" y="3718190"/>
+            <a:ext cx="2286000" cy="762000"/>
+          </a:xfrm>
+          <a:prstGeom prst="mathMultiply">
+            <a:avLst/>
+          </a:prstGeom>
+          <a:solidFill>
+            <a:srgbClr val="FF0000"/>
+          </a:solidFill>
+        </p:spPr>
+        <p:style>
+          <a:lnRef idx="2">
+            <a:schemeClr val="accent1">
+              <a:shade val="50000"/>
+            </a:schemeClr>
+          </a:lnRef>
+          <a:fillRef idx="1">
+            <a:schemeClr val="accent1"/>
+          </a:fillRef>
+          <a:effectRef idx="0">
+            <a:schemeClr val="accent1"/>
+          </a:effectRef>
+          <a:fontRef idx="minor">
+            <a:schemeClr val="lt1"/>
+          </a:fontRef>
+        </p:style>
+        <p:txBody>
+          <a:bodyPr rtlCol="0" anchor="ctr"/>
+          <a:lstStyle/>
+          <a:p>
+            <a:pPr algn="ctr"/>
+            <a:endParaRPr lang="en-MY"/>
+          </a:p>
+        </p:txBody>
+      </p:sp>
     </p:spTree>
     <p:extLst>
       <p:ext uri="{BB962C8B-B14F-4D97-AF65-F5344CB8AC3E}">
@@ -5386,9 +5645,80 @@
   <p:timing>
     <p:tnLst>
       <p:par>
-        <p:cTn id="1" dur="indefinite" restart="never" nodeType="tmRoot"/>
+        <p:cTn id="1" dur="indefinite" restart="never" nodeType="tmRoot">
+          <p:childTnLst>
+            <p:seq concurrent="1" nextAc="seek">
+              <p:cTn id="2" dur="indefinite" nodeType="mainSeq">
+                <p:childTnLst>
+                  <p:par>
+                    <p:cTn id="3" fill="hold">
+                      <p:stCondLst>
+                        <p:cond delay="indefinite"/>
+                      </p:stCondLst>
+                      <p:childTnLst>
+                        <p:par>
+                          <p:cTn id="4" fill="hold">
+                            <p:stCondLst>
+                              <p:cond delay="0"/>
+                            </p:stCondLst>
+                            <p:childTnLst>
+                              <p:par>
+                                <p:cTn id="5" presetID="1" presetClass="exit" presetSubtype="0" fill="hold" grpId="0" nodeType="clickEffect">
+                                  <p:stCondLst>
+                                    <p:cond delay="0"/>
+                                  </p:stCondLst>
+                                  <p:childTnLst>
+                                    <p:set>
+                                      <p:cBhvr>
+                                        <p:cTn id="6" dur="1" fill="hold">
+                                          <p:stCondLst>
+                                            <p:cond delay="0"/>
+                                          </p:stCondLst>
+                                        </p:cTn>
+                                        <p:tgtEl>
+                                          <p:spTgt spid="5"/>
+                                        </p:tgtEl>
+                                        <p:attrNameLst>
+                                          <p:attrName>style.visibility</p:attrName>
+                                        </p:attrNameLst>
+                                      </p:cBhvr>
+                                      <p:to>
+                                        <p:strVal val="hidden"/>
+                                      </p:to>
+                                    </p:set>
+                                  </p:childTnLst>
+                                </p:cTn>
+                              </p:par>
+                            </p:childTnLst>
+                          </p:cTn>
+                        </p:par>
+                      </p:childTnLst>
+                    </p:cTn>
+                  </p:par>
+                </p:childTnLst>
+              </p:cTn>
+              <p:prevCondLst>
+                <p:cond evt="onPrev" delay="0">
+                  <p:tgtEl>
+                    <p:sldTgt/>
+                  </p:tgtEl>
+                </p:cond>
+              </p:prevCondLst>
+              <p:nextCondLst>
+                <p:cond evt="onNext" delay="0">
+                  <p:tgtEl>
+                    <p:sldTgt/>
+                  </p:tgtEl>
+                </p:cond>
+              </p:nextCondLst>
+            </p:seq>
+          </p:childTnLst>
+        </p:cTn>
       </p:par>
     </p:tnLst>
+    <p:bldLst>
+      <p:bldP spid="5" grpId="0" animBg="1"/>
+    </p:bldLst>
   </p:timing>
 </p:sld>
 </file>

--- a/slides/10.AI and Robotics.pptx
+++ b/slides/10.AI and Robotics.pptx
@@ -4177,7 +4177,7 @@
           <a:lstStyle/>
           <a:p>
             <a:r>
-              <a:rPr lang="en-MY">
+              <a:rPr lang="en-MY" dirty="0">
                 <a:hlinkClick r:id="rId3"/>
               </a:rPr>
               <a:t>https://www.youtube.com/watch?v=ARJ8cAGm6JE</a:t>
@@ -4975,7 +4975,12 @@
             <p:ph sz="half" idx="1"/>
           </p:nvPr>
         </p:nvSpPr>
-        <p:spPr/>
+        <p:spPr>
+          <a:xfrm>
+            <a:off x="457200" y="1219200"/>
+            <a:ext cx="4038600" cy="4906963"/>
+          </a:xfrm>
+        </p:spPr>
         <p:txBody>
           <a:bodyPr>
             <a:normAutofit/>
@@ -5002,7 +5007,12 @@
             <p:ph sz="half" idx="2"/>
           </p:nvPr>
         </p:nvSpPr>
-        <p:spPr/>
+        <p:spPr>
+          <a:xfrm>
+            <a:off x="4648200" y="1295400"/>
+            <a:ext cx="4038600" cy="4830763"/>
+          </a:xfrm>
+        </p:spPr>
         <p:txBody>
           <a:bodyPr>
             <a:normAutofit/>
